--- a/olga_presentation.pptx
+++ b/olga_presentation.pptx
@@ -17508,10 +17508,10 @@
       </p:grpSpPr>
       <p:pic>
         <p:nvPicPr>
-          <p:cNvPr id="26" name="Picture 25">
+          <p:cNvPr id="34" name="Picture 33">
             <a:extLst>
               <a:ext uri="{FF2B5EF4-FFF2-40B4-BE49-F238E27FC236}">
-                <a16:creationId xmlns:a16="http://schemas.microsoft.com/office/drawing/2014/main" id="{9377B9BF-570A-E846-B4DD-DB689A30A6CA}"/>
+                <a16:creationId xmlns:a16="http://schemas.microsoft.com/office/drawing/2014/main" id="{D6FD36E2-00ED-774E-A300-D4E8D3C035E6}"/>
               </a:ext>
             </a:extLst>
           </p:cNvPr>
@@ -17520,74 +17520,21 @@
           </p:cNvPicPr>
           <p:nvPr/>
         </p:nvPicPr>
-        <p:blipFill>
+        <p:blipFill rotWithShape="1">
           <a:blip r:embed="rId2"/>
-          <a:stretch>
-            <a:fillRect/>
-          </a:stretch>
+          <a:srcRect t="12229" r="4" b="7146"/>
+          <a:stretch/>
         </p:blipFill>
         <p:spPr>
           <a:xfrm>
-            <a:off x="1583988" y="643468"/>
-            <a:ext cx="3216612" cy="2144408"/>
+            <a:off x="-79351" y="4632417"/>
+            <a:ext cx="4245293" cy="2281919"/>
           </a:xfrm>
           <a:prstGeom prst="rect">
             <a:avLst/>
           </a:prstGeom>
         </p:spPr>
       </p:pic>
-      <p:cxnSp>
-        <p:nvCxnSpPr>
-          <p:cNvPr id="55" name="Straight Connector 54">
-            <a:extLst>
-              <a:ext uri="{FF2B5EF4-FFF2-40B4-BE49-F238E27FC236}">
-                <a16:creationId xmlns:a16="http://schemas.microsoft.com/office/drawing/2014/main" id="{91B6081D-D3E8-4209-B85B-EB1C655A6272}"/>
-              </a:ext>
-              <a:ext uri="{C183D7F6-B498-43B3-948B-1728B52AA6E4}">
-                <adec:decorative xmlns:adec="http://schemas.microsoft.com/office/drawing/2017/decorative" val="1"/>
-              </a:ext>
-            </a:extLst>
-          </p:cNvPr>
-          <p:cNvCxnSpPr>
-            <a:cxnSpLocks noGrp="1" noRot="1" noChangeAspect="1" noMove="1" noResize="1" noEditPoints="1" noAdjustHandles="1" noChangeArrowheads="1" noChangeShapeType="1"/>
-          </p:cNvCxnSpPr>
-          <p:nvPr>
-            <p:extLst>
-              <p:ext uri="{386F3935-93C4-4BCD-93E2-E3B085C9AB24}">
-                <p16:designElem xmlns:p16="http://schemas.microsoft.com/office/powerpoint/2015/main" val="1"/>
-              </p:ext>
-            </p:extLst>
-          </p:nvPr>
-        </p:nvCxnSpPr>
-        <p:spPr>
-          <a:xfrm>
-            <a:off x="6091214" y="1111170"/>
-            <a:ext cx="11040" cy="4645103"/>
-          </a:xfrm>
-          <a:prstGeom prst="line">
-            <a:avLst/>
-          </a:prstGeom>
-          <a:ln w="19050">
-            <a:solidFill>
-              <a:srgbClr val="7F7F7F"/>
-            </a:solidFill>
-          </a:ln>
-        </p:spPr>
-        <p:style>
-          <a:lnRef idx="1">
-            <a:schemeClr val="accent1"/>
-          </a:lnRef>
-          <a:fillRef idx="0">
-            <a:schemeClr val="accent1"/>
-          </a:fillRef>
-          <a:effectRef idx="0">
-            <a:schemeClr val="accent1"/>
-          </a:effectRef>
-          <a:fontRef idx="minor">
-            <a:schemeClr val="tx1"/>
-          </a:fontRef>
-        </p:style>
-      </p:cxnSp>
       <p:pic>
         <p:nvPicPr>
           <p:cNvPr id="18" name="Picture 17">
@@ -17602,132 +17549,27 @@
           </p:cNvPicPr>
           <p:nvPr/>
         </p:nvPicPr>
-        <p:blipFill>
+        <p:blipFill rotWithShape="1">
           <a:blip r:embed="rId3"/>
-          <a:stretch>
-            <a:fillRect/>
-          </a:stretch>
+          <a:srcRect r="-3" b="10600"/>
+          <a:stretch/>
         </p:blipFill>
         <p:spPr>
           <a:xfrm>
-            <a:off x="5519752" y="401483"/>
-            <a:ext cx="5088260" cy="3027515"/>
+            <a:off x="4154355" y="942975"/>
+            <a:ext cx="7896969" cy="4200525"/>
           </a:xfrm>
           <a:prstGeom prst="rect">
             <a:avLst/>
           </a:prstGeom>
         </p:spPr>
       </p:pic>
-      <p:cxnSp>
-        <p:nvCxnSpPr>
-          <p:cNvPr id="57" name="Straight Connector 56">
-            <a:extLst>
-              <a:ext uri="{FF2B5EF4-FFF2-40B4-BE49-F238E27FC236}">
-                <a16:creationId xmlns:a16="http://schemas.microsoft.com/office/drawing/2014/main" id="{28CA55E4-1295-45C8-BA05-5A9E705B749A}"/>
-              </a:ext>
-              <a:ext uri="{C183D7F6-B498-43B3-948B-1728B52AA6E4}">
-                <adec:decorative xmlns:adec="http://schemas.microsoft.com/office/drawing/2017/decorative" val="1"/>
-              </a:ext>
-            </a:extLst>
-          </p:cNvPr>
-          <p:cNvCxnSpPr>
-            <a:cxnSpLocks noGrp="1" noRot="1" noChangeAspect="1" noMove="1" noResize="1" noEditPoints="1" noAdjustHandles="1" noChangeArrowheads="1" noChangeShapeType="1"/>
-          </p:cNvCxnSpPr>
-          <p:nvPr>
-            <p:extLst>
-              <p:ext uri="{386F3935-93C4-4BCD-93E2-E3B085C9AB24}">
-                <p16:designElem xmlns:p16="http://schemas.microsoft.com/office/powerpoint/2015/main" val="1"/>
-              </p:ext>
-            </p:extLst>
-          </p:nvPr>
-        </p:nvCxnSpPr>
-        <p:spPr>
-          <a:xfrm>
-            <a:off x="1403027" y="3428998"/>
-            <a:ext cx="4188904" cy="1"/>
-          </a:xfrm>
-          <a:prstGeom prst="line">
-            <a:avLst/>
-          </a:prstGeom>
-          <a:ln w="19050">
-            <a:solidFill>
-              <a:srgbClr val="7F7F7F"/>
-            </a:solidFill>
-          </a:ln>
-        </p:spPr>
-        <p:style>
-          <a:lnRef idx="1">
-            <a:schemeClr val="accent1"/>
-          </a:lnRef>
-          <a:fillRef idx="0">
-            <a:schemeClr val="accent1"/>
-          </a:fillRef>
-          <a:effectRef idx="0">
-            <a:schemeClr val="accent1"/>
-          </a:effectRef>
-          <a:fontRef idx="minor">
-            <a:schemeClr val="tx1"/>
-          </a:fontRef>
-        </p:style>
-      </p:cxnSp>
-      <p:cxnSp>
-        <p:nvCxnSpPr>
-          <p:cNvPr id="59" name="Straight Connector 58">
-            <a:extLst>
-              <a:ext uri="{FF2B5EF4-FFF2-40B4-BE49-F238E27FC236}">
-                <a16:creationId xmlns:a16="http://schemas.microsoft.com/office/drawing/2014/main" id="{08C5794E-A9A1-4A23-AF68-C79A7822334C}"/>
-              </a:ext>
-              <a:ext uri="{C183D7F6-B498-43B3-948B-1728B52AA6E4}">
-                <adec:decorative xmlns:adec="http://schemas.microsoft.com/office/drawing/2017/decorative" val="1"/>
-              </a:ext>
-            </a:extLst>
-          </p:cNvPr>
-          <p:cNvCxnSpPr>
-            <a:cxnSpLocks noGrp="1" noRot="1" noChangeAspect="1" noMove="1" noResize="1" noEditPoints="1" noAdjustHandles="1" noChangeArrowheads="1" noChangeShapeType="1"/>
-          </p:cNvCxnSpPr>
-          <p:nvPr>
-            <p:extLst>
-              <p:ext uri="{386F3935-93C4-4BCD-93E2-E3B085C9AB24}">
-                <p16:designElem xmlns:p16="http://schemas.microsoft.com/office/powerpoint/2015/main" val="1"/>
-              </p:ext>
-            </p:extLst>
-          </p:nvPr>
-        </p:nvCxnSpPr>
-        <p:spPr>
-          <a:xfrm>
-            <a:off x="6610334" y="3428998"/>
-            <a:ext cx="4188904" cy="1"/>
-          </a:xfrm>
-          <a:prstGeom prst="line">
-            <a:avLst/>
-          </a:prstGeom>
-          <a:ln w="19050">
-            <a:solidFill>
-              <a:srgbClr val="7F7F7F"/>
-            </a:solidFill>
-          </a:ln>
-        </p:spPr>
-        <p:style>
-          <a:lnRef idx="1">
-            <a:schemeClr val="accent1"/>
-          </a:lnRef>
-          <a:fillRef idx="0">
-            <a:schemeClr val="accent1"/>
-          </a:fillRef>
-          <a:effectRef idx="0">
-            <a:schemeClr val="accent1"/>
-          </a:effectRef>
-          <a:fontRef idx="minor">
-            <a:schemeClr val="tx1"/>
-          </a:fontRef>
-        </p:style>
-      </p:cxnSp>
       <p:pic>
         <p:nvPicPr>
-          <p:cNvPr id="30" name="Picture 29">
+          <p:cNvPr id="39" name="Picture 38">
             <a:extLst>
               <a:ext uri="{FF2B5EF4-FFF2-40B4-BE49-F238E27FC236}">
-                <a16:creationId xmlns:a16="http://schemas.microsoft.com/office/drawing/2014/main" id="{534EE568-4217-9949-B957-18CF193F1FB0}"/>
+                <a16:creationId xmlns:a16="http://schemas.microsoft.com/office/drawing/2014/main" id="{55E3FA31-9715-7049-B529-0B4C4BA7DEC9}"/>
               </a:ext>
             </a:extLst>
           </p:cNvPr>
@@ -17744,8 +17586,8 @@
         </p:blipFill>
         <p:spPr>
           <a:xfrm>
-            <a:off x="1582004" y="4070120"/>
-            <a:ext cx="3220586" cy="2147057"/>
+            <a:off x="140676" y="0"/>
+            <a:ext cx="4025265" cy="2536825"/>
           </a:xfrm>
           <a:prstGeom prst="rect">
             <a:avLst/>
@@ -17754,10 +17596,10 @@
       </p:pic>
       <p:pic>
         <p:nvPicPr>
-          <p:cNvPr id="34" name="Picture 33">
+          <p:cNvPr id="41" name="Picture 40">
             <a:extLst>
               <a:ext uri="{FF2B5EF4-FFF2-40B4-BE49-F238E27FC236}">
-                <a16:creationId xmlns:a16="http://schemas.microsoft.com/office/drawing/2014/main" id="{D6FD36E2-00ED-774E-A300-D4E8D3C035E6}"/>
+                <a16:creationId xmlns:a16="http://schemas.microsoft.com/office/drawing/2014/main" id="{2DEBEEEC-8180-9344-9BCD-2552650FA403}"/>
               </a:ext>
             </a:extLst>
           </p:cNvPr>
@@ -17774,8 +17616,8 @@
         </p:blipFill>
         <p:spPr>
           <a:xfrm>
-            <a:off x="7112029" y="3886213"/>
-            <a:ext cx="3507858" cy="2338572"/>
+            <a:off x="375438" y="2505167"/>
+            <a:ext cx="3790503" cy="2127250"/>
           </a:xfrm>
           <a:prstGeom prst="rect">
             <a:avLst/>
